--- a/lesson01.pptx
+++ b/lesson01.pptx
@@ -162,6 +162,14 @@
     </p:ext>
   </p:extLst>
 </p:presentation>
+</file>
+
+<file path=ppt/revisionInfo.xml><?xml version="1.0" encoding="utf-8"?>
+<p1510:revInfo xmlns:a="http://schemas.openxmlformats.org/drawingml/2006/main" xmlns:r="http://schemas.openxmlformats.org/officeDocument/2006/relationships" xmlns:p1510="http://schemas.microsoft.com/office/powerpoint/2015/10/main">
+  <p1510:revLst>
+    <p1510:client id="{BE78B71D-2B01-4016-8F18-E263CE1576F3}" v="1" dt="2021-01-30T18:33:38.393"/>
+  </p1510:revLst>
+</p1510:revInfo>
 </file>
 
 <file path=ppt/changesInfos/changesInfo1.xml><?xml version="1.0" encoding="utf-8"?>
@@ -942,22 +950,38 @@
   <pc:docChgLst>
     <pc:chgData name="Anatoliy Kigel" userId="7432c6c4687b0a9c" providerId="LiveId" clId="{BE78B71D-2B01-4016-8F18-E263CE1576F3}"/>
     <pc:docChg chg="undo custSel modSld">
-      <pc:chgData name="Anatoliy Kigel" userId="7432c6c4687b0a9c" providerId="LiveId" clId="{BE78B71D-2B01-4016-8F18-E263CE1576F3}" dt="2021-01-29T17:41:50.982" v="34" actId="1035"/>
+      <pc:chgData name="Anatoliy Kigel" userId="7432c6c4687b0a9c" providerId="LiveId" clId="{BE78B71D-2B01-4016-8F18-E263CE1576F3}" dt="2021-01-30T18:36:02.799" v="252" actId="113"/>
       <pc:docMkLst>
         <pc:docMk/>
       </pc:docMkLst>
-      <pc:sldChg chg="modSp mod">
-        <pc:chgData name="Anatoliy Kigel" userId="7432c6c4687b0a9c" providerId="LiveId" clId="{BE78B71D-2B01-4016-8F18-E263CE1576F3}" dt="2021-01-29T17:41:50.982" v="34" actId="1035"/>
+      <pc:sldChg chg="addSp modSp mod">
+        <pc:chgData name="Anatoliy Kigel" userId="7432c6c4687b0a9c" providerId="LiveId" clId="{BE78B71D-2B01-4016-8F18-E263CE1576F3}" dt="2021-01-30T18:35:27.893" v="251" actId="1035"/>
         <pc:sldMkLst>
           <pc:docMk/>
           <pc:sldMk cId="2234055322" sldId="484"/>
         </pc:sldMkLst>
         <pc:spChg chg="mod">
-          <ac:chgData name="Anatoliy Kigel" userId="7432c6c4687b0a9c" providerId="LiveId" clId="{BE78B71D-2B01-4016-8F18-E263CE1576F3}" dt="2021-01-29T17:41:50.982" v="34" actId="1035"/>
+          <ac:chgData name="Anatoliy Kigel" userId="7432c6c4687b0a9c" providerId="LiveId" clId="{BE78B71D-2B01-4016-8F18-E263CE1576F3}" dt="2021-01-30T18:34:55.855" v="237" actId="1076"/>
+          <ac:spMkLst>
+            <pc:docMk/>
+            <pc:sldMk cId="2234055322" sldId="484"/>
+            <ac:spMk id="2" creationId="{00000000-0000-0000-0000-000000000000}"/>
+          </ac:spMkLst>
+        </pc:spChg>
+        <pc:spChg chg="mod">
+          <ac:chgData name="Anatoliy Kigel" userId="7432c6c4687b0a9c" providerId="LiveId" clId="{BE78B71D-2B01-4016-8F18-E263CE1576F3}" dt="2021-01-30T18:35:27.893" v="251" actId="1035"/>
           <ac:spMkLst>
             <pc:docMk/>
             <pc:sldMk cId="2234055322" sldId="484"/>
             <ac:spMk id="3" creationId="{00000000-0000-0000-0000-000000000000}"/>
+          </ac:spMkLst>
+        </pc:spChg>
+        <pc:spChg chg="add mod">
+          <ac:chgData name="Anatoliy Kigel" userId="7432c6c4687b0a9c" providerId="LiveId" clId="{BE78B71D-2B01-4016-8F18-E263CE1576F3}" dt="2021-01-30T18:35:21.275" v="249" actId="20577"/>
+          <ac:spMkLst>
+            <pc:docMk/>
+            <pc:sldMk cId="2234055322" sldId="484"/>
+            <ac:spMk id="4" creationId="{0D73DC98-BD72-4563-B8E6-1AFB9397D8F4}"/>
           </ac:spMkLst>
         </pc:spChg>
         <pc:spChg chg="mod">
@@ -969,11 +993,26 @@
           </ac:spMkLst>
         </pc:spChg>
         <pc:spChg chg="mod">
-          <ac:chgData name="Anatoliy Kigel" userId="7432c6c4687b0a9c" providerId="LiveId" clId="{BE78B71D-2B01-4016-8F18-E263CE1576F3}" dt="2021-01-29T17:40:09.815" v="10" actId="20577"/>
+          <ac:chgData name="Anatoliy Kigel" userId="7432c6c4687b0a9c" providerId="LiveId" clId="{BE78B71D-2B01-4016-8F18-E263CE1576F3}" dt="2021-01-30T18:33:20.436" v="37" actId="403"/>
           <ac:spMkLst>
             <pc:docMk/>
             <pc:sldMk cId="2234055322" sldId="484"/>
             <ac:spMk id="7" creationId="{00000000-0000-0000-0000-000000000000}"/>
+          </ac:spMkLst>
+        </pc:spChg>
+      </pc:sldChg>
+      <pc:sldChg chg="modSp mod">
+        <pc:chgData name="Anatoliy Kigel" userId="7432c6c4687b0a9c" providerId="LiveId" clId="{BE78B71D-2B01-4016-8F18-E263CE1576F3}" dt="2021-01-30T18:36:02.799" v="252" actId="113"/>
+        <pc:sldMkLst>
+          <pc:docMk/>
+          <pc:sldMk cId="2707669526" sldId="499"/>
+        </pc:sldMkLst>
+        <pc:spChg chg="mod">
+          <ac:chgData name="Anatoliy Kigel" userId="7432c6c4687b0a9c" providerId="LiveId" clId="{BE78B71D-2B01-4016-8F18-E263CE1576F3}" dt="2021-01-30T18:36:02.799" v="252" actId="113"/>
+          <ac:spMkLst>
+            <pc:docMk/>
+            <pc:sldMk cId="2707669526" sldId="499"/>
+            <ac:spMk id="5" creationId="{00000000-0000-0000-0000-000000000000}"/>
           </ac:spMkLst>
         </pc:spChg>
       </pc:sldChg>
@@ -1064,7 +1103,7 @@
           <a:p>
             <a:fld id="{3D409D12-6674-4A6A-BECB-90B8820837C6}" type="datetimeFigureOut">
               <a:rPr lang="uk-UA" smtClean="0"/>
-              <a:t>29.01.2021</a:t>
+              <a:t>30.01.2021</a:t>
             </a:fld>
             <a:endParaRPr lang="uk-UA"/>
           </a:p>
@@ -1633,7 +1672,7 @@
           <a:p>
             <a:fld id="{3036EC5F-9358-40E3-9F92-855DF13A52BE}" type="datetimeFigureOut">
               <a:rPr lang="uk-UA" smtClean="0"/>
-              <a:t>29.01.2021</a:t>
+              <a:t>30.01.2021</a:t>
             </a:fld>
             <a:endParaRPr lang="uk-UA"/>
           </a:p>
@@ -1803,7 +1842,7 @@
           <a:p>
             <a:fld id="{3036EC5F-9358-40E3-9F92-855DF13A52BE}" type="datetimeFigureOut">
               <a:rPr lang="uk-UA" smtClean="0"/>
-              <a:t>29.01.2021</a:t>
+              <a:t>30.01.2021</a:t>
             </a:fld>
             <a:endParaRPr lang="uk-UA"/>
           </a:p>
@@ -1983,7 +2022,7 @@
           <a:p>
             <a:fld id="{3036EC5F-9358-40E3-9F92-855DF13A52BE}" type="datetimeFigureOut">
               <a:rPr lang="uk-UA" smtClean="0"/>
-              <a:t>29.01.2021</a:t>
+              <a:t>30.01.2021</a:t>
             </a:fld>
             <a:endParaRPr lang="uk-UA"/>
           </a:p>
@@ -2153,7 +2192,7 @@
           <a:p>
             <a:fld id="{3036EC5F-9358-40E3-9F92-855DF13A52BE}" type="datetimeFigureOut">
               <a:rPr lang="uk-UA" smtClean="0"/>
-              <a:t>29.01.2021</a:t>
+              <a:t>30.01.2021</a:t>
             </a:fld>
             <a:endParaRPr lang="uk-UA"/>
           </a:p>
@@ -2399,7 +2438,7 @@
           <a:p>
             <a:fld id="{3036EC5F-9358-40E3-9F92-855DF13A52BE}" type="datetimeFigureOut">
               <a:rPr lang="uk-UA" smtClean="0"/>
-              <a:t>29.01.2021</a:t>
+              <a:t>30.01.2021</a:t>
             </a:fld>
             <a:endParaRPr lang="uk-UA"/>
           </a:p>
@@ -2631,7 +2670,7 @@
           <a:p>
             <a:fld id="{3036EC5F-9358-40E3-9F92-855DF13A52BE}" type="datetimeFigureOut">
               <a:rPr lang="uk-UA" smtClean="0"/>
-              <a:t>29.01.2021</a:t>
+              <a:t>30.01.2021</a:t>
             </a:fld>
             <a:endParaRPr lang="uk-UA"/>
           </a:p>
@@ -2998,7 +3037,7 @@
           <a:p>
             <a:fld id="{3036EC5F-9358-40E3-9F92-855DF13A52BE}" type="datetimeFigureOut">
               <a:rPr lang="uk-UA" smtClean="0"/>
-              <a:t>29.01.2021</a:t>
+              <a:t>30.01.2021</a:t>
             </a:fld>
             <a:endParaRPr lang="uk-UA"/>
           </a:p>
@@ -3116,7 +3155,7 @@
           <a:p>
             <a:fld id="{3036EC5F-9358-40E3-9F92-855DF13A52BE}" type="datetimeFigureOut">
               <a:rPr lang="uk-UA" smtClean="0"/>
-              <a:t>29.01.2021</a:t>
+              <a:t>30.01.2021</a:t>
             </a:fld>
             <a:endParaRPr lang="uk-UA"/>
           </a:p>
@@ -3211,7 +3250,7 @@
           <a:p>
             <a:fld id="{3036EC5F-9358-40E3-9F92-855DF13A52BE}" type="datetimeFigureOut">
               <a:rPr lang="uk-UA" smtClean="0"/>
-              <a:t>29.01.2021</a:t>
+              <a:t>30.01.2021</a:t>
             </a:fld>
             <a:endParaRPr lang="uk-UA"/>
           </a:p>
@@ -3488,7 +3527,7 @@
           <a:p>
             <a:fld id="{3036EC5F-9358-40E3-9F92-855DF13A52BE}" type="datetimeFigureOut">
               <a:rPr lang="uk-UA" smtClean="0"/>
-              <a:t>29.01.2021</a:t>
+              <a:t>30.01.2021</a:t>
             </a:fld>
             <a:endParaRPr lang="uk-UA"/>
           </a:p>
@@ -3741,7 +3780,7 @@
           <a:p>
             <a:fld id="{3036EC5F-9358-40E3-9F92-855DF13A52BE}" type="datetimeFigureOut">
               <a:rPr lang="uk-UA" smtClean="0"/>
-              <a:t>29.01.2021</a:t>
+              <a:t>30.01.2021</a:t>
             </a:fld>
             <a:endParaRPr lang="uk-UA"/>
           </a:p>
@@ -3954,7 +3993,7 @@
           <a:p>
             <a:fld id="{3036EC5F-9358-40E3-9F92-855DF13A52BE}" type="datetimeFigureOut">
               <a:rPr lang="uk-UA" smtClean="0"/>
-              <a:t>29.01.2021</a:t>
+              <a:t>30.01.2021</a:t>
             </a:fld>
             <a:endParaRPr lang="uk-UA"/>
           </a:p>
@@ -13223,10 +13262,10 @@
           <a:p>
             <a:pPr algn="ctr"/>
             <a:r>
-              <a:rPr lang="ru-RU" sz="6000" dirty="0"/>
+              <a:rPr lang="ru-RU" sz="6000" b="1" dirty="0"/>
               <a:t>К следующему занятию будет полезно почитать о…</a:t>
             </a:r>
-            <a:endParaRPr lang="uk-UA" sz="6000" dirty="0"/>
+            <a:endParaRPr lang="uk-UA" sz="6000" b="1" dirty="0"/>
           </a:p>
         </p:txBody>
       </p:sp>
@@ -14336,7 +14375,7 @@
         <p:spPr>
           <a:xfrm>
             <a:off x="4347341" y="1388487"/>
-            <a:ext cx="7440105" cy="3293209"/>
+            <a:ext cx="7440105" cy="2677656"/>
           </a:xfrm>
           <a:prstGeom prst="rect">
             <a:avLst/>
@@ -14349,54 +14388,54 @@
           <a:lstStyle/>
           <a:p>
             <a:r>
-              <a:rPr lang="ru-RU" sz="2600" dirty="0"/>
+              <a:rPr lang="ru-RU" sz="2400" dirty="0"/>
               <a:t>Есть в США такой вид налога как </a:t>
             </a:r>
             <a:r>
-              <a:rPr lang="en-US" sz="2600" b="1" dirty="0"/>
+              <a:rPr lang="en-US" sz="2400" b="1" dirty="0"/>
               <a:t>Federal Income Tax</a:t>
             </a:r>
             <a:r>
-              <a:rPr lang="ru-RU" sz="2600" dirty="0"/>
+              <a:rPr lang="ru-RU" sz="2400" dirty="0"/>
               <a:t>, ваша задача написать налоговый калькулятор, который будет рассчитывать сумму налогов в зависимости от годового дохода человека. За основу взять ставки налога для доходов полученных за </a:t>
             </a:r>
             <a:r>
-              <a:rPr lang="ru-RU" sz="2600" b="1" dirty="0"/>
+              <a:rPr lang="ru-RU" sz="2400" b="1" dirty="0"/>
               <a:t>2021 </a:t>
             </a:r>
             <a:r>
-              <a:rPr lang="ru-RU" sz="2600" dirty="0"/>
+              <a:rPr lang="ru-RU" sz="2400" dirty="0"/>
               <a:t>г. (с оплатой в </a:t>
             </a:r>
             <a:r>
-              <a:rPr lang="ru-RU" sz="2600" b="1" dirty="0"/>
+              <a:rPr lang="ru-RU" sz="2400" b="1" dirty="0"/>
               <a:t>2022</a:t>
             </a:r>
             <a:r>
-              <a:rPr lang="ru-RU" sz="2600" dirty="0"/>
+              <a:rPr lang="ru-RU" sz="2400" dirty="0"/>
               <a:t> году), и для простоты - расчёт выполнять </a:t>
             </a:r>
             <a:r>
-              <a:rPr lang="ru-RU" sz="2600" b="1" dirty="0"/>
+              <a:rPr lang="ru-RU" sz="2400" b="1" dirty="0"/>
               <a:t>только</a:t>
             </a:r>
             <a:r>
-              <a:rPr lang="ru-RU" sz="2600" dirty="0"/>
+              <a:rPr lang="ru-RU" sz="2400" dirty="0"/>
               <a:t> для лиц не состоящих в браке</a:t>
             </a:r>
             <a:r>
-              <a:rPr lang="en-US" sz="2600" dirty="0"/>
+              <a:rPr lang="en-US" sz="2400" dirty="0"/>
               <a:t>: </a:t>
             </a:r>
             <a:r>
-              <a:rPr lang="en-US" sz="2600" b="1" dirty="0"/>
+              <a:rPr lang="en-US" sz="2400" b="1" dirty="0"/>
               <a:t>single</a:t>
             </a:r>
             <a:r>
-              <a:rPr lang="ru-RU" sz="2600" dirty="0"/>
+              <a:rPr lang="ru-RU" sz="2400" dirty="0"/>
               <a:t>.</a:t>
             </a:r>
-            <a:endParaRPr lang="en-US" sz="2600" b="1" dirty="0"/>
+            <a:endParaRPr lang="en-US" sz="2400" b="1" dirty="0"/>
           </a:p>
         </p:txBody>
       </p:sp>
@@ -14408,7 +14447,7 @@
         </p:nvSpPr>
         <p:spPr>
           <a:xfrm>
-            <a:off x="4347341" y="5362317"/>
+            <a:off x="4347341" y="5363483"/>
             <a:ext cx="7190723" cy="646331"/>
           </a:xfrm>
           <a:prstGeom prst="rect">
@@ -14496,7 +14535,7 @@
         </p:nvSpPr>
         <p:spPr>
           <a:xfrm>
-            <a:off x="4347341" y="4664918"/>
+            <a:off x="4347341" y="4072404"/>
             <a:ext cx="7223760" cy="369332"/>
           </a:xfrm>
           <a:prstGeom prst="rect">
@@ -14516,6 +14555,85 @@
               <a:t>https://www.bankrate.com/finance/taxes/tax-brackets.aspx</a:t>
             </a:r>
             <a:endParaRPr lang="ru-RU" sz="2400" b="1" dirty="0"/>
+          </a:p>
+        </p:txBody>
+      </p:sp>
+      <p:sp>
+        <p:nvSpPr>
+          <p:cNvPr id="4" name="TextBox 3">
+            <a:extLst>
+              <a:ext uri="{FF2B5EF4-FFF2-40B4-BE49-F238E27FC236}">
+                <a16:creationId xmlns:a16="http://schemas.microsoft.com/office/drawing/2014/main" id="{0D73DC98-BD72-4563-B8E6-1AFB9397D8F4}"/>
+              </a:ext>
+            </a:extLst>
+          </p:cNvPr>
+          <p:cNvSpPr txBox="1"/>
+          <p:nvPr/>
+        </p:nvSpPr>
+        <p:spPr>
+          <a:xfrm>
+            <a:off x="4472031" y="4587990"/>
+            <a:ext cx="7190723" cy="646331"/>
+          </a:xfrm>
+          <a:prstGeom prst="rect">
+            <a:avLst/>
+          </a:prstGeom>
+          <a:solidFill>
+            <a:schemeClr val="accent4">
+              <a:lumMod val="20000"/>
+              <a:lumOff val="80000"/>
+            </a:schemeClr>
+          </a:solidFill>
+        </p:spPr>
+        <p:style>
+          <a:lnRef idx="2">
+            <a:schemeClr val="accent4"/>
+          </a:lnRef>
+          <a:fillRef idx="1">
+            <a:schemeClr val="lt1"/>
+          </a:fillRef>
+          <a:effectRef idx="0">
+            <a:schemeClr val="accent4"/>
+          </a:effectRef>
+          <a:fontRef idx="minor">
+            <a:schemeClr val="dk1"/>
+          </a:fontRef>
+        </p:style>
+        <p:txBody>
+          <a:bodyPr wrap="square" rtlCol="0">
+            <a:spAutoFit/>
+          </a:bodyPr>
+          <a:lstStyle/>
+          <a:p>
+            <a:r>
+              <a:rPr lang="ru-RU" dirty="0"/>
+              <a:t>В репозитории занятия есть тестер: </a:t>
+            </a:r>
+            <a:r>
+              <a:rPr lang="en-US" b="1" dirty="0"/>
+              <a:t>./</a:t>
+            </a:r>
+            <a:r>
+              <a:rPr lang="en-US" b="1" dirty="0" err="1"/>
+              <a:t>src</a:t>
+            </a:r>
+            <a:r>
+              <a:rPr lang="en-US" b="1" dirty="0"/>
+              <a:t>/homework-tester </a:t>
+            </a:r>
+            <a:r>
+              <a:rPr lang="ru-RU" dirty="0"/>
+              <a:t>для сверки. Расхождением в </a:t>
+            </a:r>
+            <a:r>
+              <a:rPr lang="en-US" dirty="0"/>
+              <a:t>~1-2 </a:t>
+            </a:r>
+            <a:r>
+              <a:rPr lang="ru-RU" dirty="0"/>
+              <a:t>доллара можно пренебречь.</a:t>
+            </a:r>
+            <a:endParaRPr lang="uk-UA" dirty="0"/>
           </a:p>
         </p:txBody>
       </p:sp>
